--- a/주영일/4조 새벽코딩.pptx
+++ b/주영일/4조 새벽코딩.pptx
@@ -7901,31 +7901,13 @@
               </a:rPr>
               <a:t>:</a:t>
             </a:r>
-          </a:p>
-          <a:p>
-            <a:r>
-              <a:rPr lang="en-US" altLang="ko-KR" sz="1200" dirty="0">
-                <a:solidFill>
-                  <a:schemeClr val="tx1"/>
-                </a:solidFill>
-              </a:rPr>
-              <a:t>2. </a:t>
-            </a:r>
-            <a:r>
-              <a:rPr lang="ko-KR" altLang="en-US" sz="1200" dirty="0" err="1">
-                <a:solidFill>
-                  <a:schemeClr val="tx1"/>
-                </a:solidFill>
-              </a:rPr>
-              <a:t>새글</a:t>
-            </a:r>
             <a:r>
               <a:rPr lang="ko-KR" altLang="en-US" sz="1200" dirty="0">
                 <a:solidFill>
                   <a:schemeClr val="tx1"/>
                 </a:solidFill>
               </a:rPr>
-              <a:t> 쓰기</a:t>
+              <a:t> 게시판 페이지로 이동</a:t>
             </a:r>
             <a:endParaRPr lang="en-US" altLang="ko-KR" sz="1200" dirty="0">
               <a:solidFill>
@@ -7940,17 +7922,15 @@
                   <a:schemeClr val="tx1"/>
                 </a:solidFill>
               </a:rPr>
-              <a:t>:</a:t>
-            </a:r>
-          </a:p>
-          <a:p>
-            <a:r>
-              <a:rPr lang="en-US" altLang="ko-KR" sz="1200" dirty="0">
-                <a:solidFill>
-                  <a:schemeClr val="tx1"/>
-                </a:solidFill>
-              </a:rPr>
-              <a:t>3. </a:t>
+              <a:t>2. </a:t>
+            </a:r>
+            <a:r>
+              <a:rPr lang="ko-KR" altLang="en-US" sz="1200" dirty="0" err="1">
+                <a:solidFill>
+                  <a:schemeClr val="tx1"/>
+                </a:solidFill>
+              </a:rPr>
+              <a:t>새글</a:t>
             </a:r>
             <a:r>
               <a:rPr lang="ko-KR" altLang="en-US" sz="1200" dirty="0">
@@ -7958,23 +7938,7 @@
                   <a:schemeClr val="tx1"/>
                 </a:solidFill>
               </a:rPr>
-              <a:t>총 검색 개수</a:t>
-            </a:r>
-            <a:r>
-              <a:rPr lang="en-US" altLang="ko-KR" sz="1200" dirty="0">
-                <a:solidFill>
-                  <a:schemeClr val="tx1"/>
-                </a:solidFill>
-              </a:rPr>
-              <a:t>/ </a:t>
-            </a:r>
-            <a:r>
-              <a:rPr lang="ko-KR" altLang="en-US" sz="1200" dirty="0">
-                <a:solidFill>
-                  <a:schemeClr val="tx1"/>
-                </a:solidFill>
-              </a:rPr>
-              <a:t>행 보기 선택</a:t>
+              <a:t> 쓰기</a:t>
             </a:r>
             <a:endParaRPr lang="en-US" altLang="ko-KR" sz="1200" dirty="0">
               <a:solidFill>
@@ -7991,55 +7955,29 @@
               </a:rPr>
               <a:t>:</a:t>
             </a:r>
-          </a:p>
-          <a:p>
-            <a:r>
-              <a:rPr lang="en-US" altLang="ko-KR" sz="1200" dirty="0">
-                <a:solidFill>
-                  <a:schemeClr val="tx1"/>
-                </a:solidFill>
-              </a:rPr>
-              <a:t>4. </a:t>
-            </a:r>
             <a:r>
               <a:rPr lang="ko-KR" altLang="en-US" sz="1200" dirty="0">
                 <a:solidFill>
                   <a:schemeClr val="tx1"/>
                 </a:solidFill>
               </a:rPr>
-              <a:t>검색</a:t>
-            </a:r>
-            <a:r>
-              <a:rPr lang="en-US" altLang="ko-KR" sz="1200" dirty="0">
-                <a:solidFill>
-                  <a:schemeClr val="tx1"/>
-                </a:solidFill>
-              </a:rPr>
               <a:t> </a:t>
             </a:r>
             <a:r>
+              <a:rPr lang="ko-KR" altLang="en-US" sz="1200" dirty="0" err="1">
+                <a:solidFill>
+                  <a:schemeClr val="tx1"/>
+                </a:solidFill>
+              </a:rPr>
+              <a:t>새글</a:t>
+            </a:r>
+            <a:r>
               <a:rPr lang="ko-KR" altLang="en-US" sz="1200" dirty="0">
                 <a:solidFill>
                   <a:schemeClr val="tx1"/>
                 </a:solidFill>
               </a:rPr>
-              <a:t>입력</a:t>
-            </a:r>
-            <a:r>
-              <a:rPr lang="en-US" altLang="ko-KR" sz="1200" dirty="0">
-                <a:solidFill>
-                  <a:schemeClr val="tx1"/>
-                </a:solidFill>
-              </a:rPr>
-              <a:t>/ </a:t>
-            </a:r>
-            <a:r>
-              <a:rPr lang="ko-KR" altLang="en-US" sz="1200" dirty="0">
-                <a:solidFill>
-                  <a:schemeClr val="tx1"/>
-                </a:solidFill>
-              </a:rPr>
-              <a:t>버튼</a:t>
+              <a:t> 쓰기 페이지로 이동</a:t>
             </a:r>
             <a:endParaRPr lang="en-US" altLang="ko-KR" sz="1200" dirty="0">
               <a:solidFill>
@@ -8054,17 +7992,23 @@
                   <a:schemeClr val="tx1"/>
                 </a:solidFill>
               </a:rPr>
-              <a:t>:</a:t>
-            </a:r>
-          </a:p>
-          <a:p>
+              <a:t>3. </a:t>
+            </a:r>
+            <a:r>
+              <a:rPr lang="ko-KR" altLang="en-US" sz="1200" dirty="0">
+                <a:solidFill>
+                  <a:schemeClr val="tx1"/>
+                </a:solidFill>
+              </a:rPr>
+              <a:t>총 검색 개수</a:t>
+            </a:r>
             <a:r>
               <a:rPr lang="en-US" altLang="ko-KR" sz="1200" dirty="0">
                 <a:solidFill>
                   <a:schemeClr val="tx1"/>
                 </a:solidFill>
               </a:rPr>
-              <a:t>5. </a:t>
+              <a:t>/ </a:t>
             </a:r>
             <a:r>
               <a:rPr lang="ko-KR" altLang="en-US" sz="1200" dirty="0">
@@ -8072,7 +8016,7 @@
                   <a:schemeClr val="tx1"/>
                 </a:solidFill>
               </a:rPr>
-              <a:t>순서 선택</a:t>
+              <a:t>행 보기 선택</a:t>
             </a:r>
             <a:endParaRPr lang="en-US" altLang="ko-KR" sz="1200" dirty="0">
               <a:solidFill>
@@ -8089,6 +8033,143 @@
               </a:rPr>
               <a:t>:</a:t>
             </a:r>
+            <a:r>
+              <a:rPr lang="ko-KR" altLang="en-US" sz="1200" dirty="0">
+                <a:solidFill>
+                  <a:schemeClr val="tx1"/>
+                </a:solidFill>
+              </a:rPr>
+              <a:t> 출력되는 행개수를 선택</a:t>
+            </a:r>
+            <a:endParaRPr lang="en-US" altLang="ko-KR" sz="1200" dirty="0">
+              <a:solidFill>
+                <a:schemeClr val="tx1"/>
+              </a:solidFill>
+            </a:endParaRPr>
+          </a:p>
+          <a:p>
+            <a:r>
+              <a:rPr lang="en-US" altLang="ko-KR" sz="1200" dirty="0">
+                <a:solidFill>
+                  <a:schemeClr val="tx1"/>
+                </a:solidFill>
+              </a:rPr>
+              <a:t>4. </a:t>
+            </a:r>
+            <a:r>
+              <a:rPr lang="ko-KR" altLang="en-US" sz="1200" dirty="0">
+                <a:solidFill>
+                  <a:schemeClr val="tx1"/>
+                </a:solidFill>
+              </a:rPr>
+              <a:t>검색</a:t>
+            </a:r>
+            <a:r>
+              <a:rPr lang="en-US" altLang="ko-KR" sz="1200" dirty="0">
+                <a:solidFill>
+                  <a:schemeClr val="tx1"/>
+                </a:solidFill>
+              </a:rPr>
+              <a:t> </a:t>
+            </a:r>
+            <a:r>
+              <a:rPr lang="ko-KR" altLang="en-US" sz="1200" dirty="0">
+                <a:solidFill>
+                  <a:schemeClr val="tx1"/>
+                </a:solidFill>
+              </a:rPr>
+              <a:t>입력</a:t>
+            </a:r>
+            <a:r>
+              <a:rPr lang="en-US" altLang="ko-KR" sz="1200" dirty="0">
+                <a:solidFill>
+                  <a:schemeClr val="tx1"/>
+                </a:solidFill>
+              </a:rPr>
+              <a:t>/ </a:t>
+            </a:r>
+            <a:r>
+              <a:rPr lang="ko-KR" altLang="en-US" sz="1200" dirty="0">
+                <a:solidFill>
+                  <a:schemeClr val="tx1"/>
+                </a:solidFill>
+              </a:rPr>
+              <a:t>버튼</a:t>
+            </a:r>
+            <a:endParaRPr lang="en-US" altLang="ko-KR" sz="1200" dirty="0">
+              <a:solidFill>
+                <a:schemeClr val="tx1"/>
+              </a:solidFill>
+            </a:endParaRPr>
+          </a:p>
+          <a:p>
+            <a:r>
+              <a:rPr lang="en-US" altLang="ko-KR" sz="1200" dirty="0">
+                <a:solidFill>
+                  <a:schemeClr val="tx1"/>
+                </a:solidFill>
+              </a:rPr>
+              <a:t>:</a:t>
+            </a:r>
+            <a:r>
+              <a:rPr lang="ko-KR" altLang="en-US" sz="1200" dirty="0">
+                <a:solidFill>
+                  <a:schemeClr val="tx1"/>
+                </a:solidFill>
+              </a:rPr>
+              <a:t> 원하는 키워드를 입력하고 키워드에 맞는 검색결과물을 출력</a:t>
+            </a:r>
+            <a:endParaRPr lang="en-US" altLang="ko-KR" sz="1200" dirty="0">
+              <a:solidFill>
+                <a:schemeClr val="tx1"/>
+              </a:solidFill>
+            </a:endParaRPr>
+          </a:p>
+          <a:p>
+            <a:r>
+              <a:rPr lang="en-US" altLang="ko-KR" sz="1200" dirty="0">
+                <a:solidFill>
+                  <a:schemeClr val="tx1"/>
+                </a:solidFill>
+              </a:rPr>
+              <a:t>5. </a:t>
+            </a:r>
+            <a:r>
+              <a:rPr lang="ko-KR" altLang="en-US" sz="1200" dirty="0">
+                <a:solidFill>
+                  <a:schemeClr val="tx1"/>
+                </a:solidFill>
+              </a:rPr>
+              <a:t>순서 선택</a:t>
+            </a:r>
+            <a:endParaRPr lang="en-US" altLang="ko-KR" sz="1200" dirty="0">
+              <a:solidFill>
+                <a:schemeClr val="tx1"/>
+              </a:solidFill>
+            </a:endParaRPr>
+          </a:p>
+          <a:p>
+            <a:r>
+              <a:rPr lang="en-US" altLang="ko-KR" sz="1200" dirty="0">
+                <a:solidFill>
+                  <a:schemeClr val="tx1"/>
+                </a:solidFill>
+              </a:rPr>
+              <a:t>:</a:t>
+            </a:r>
+            <a:r>
+              <a:rPr lang="ko-KR" altLang="en-US" sz="1200" dirty="0">
+                <a:solidFill>
+                  <a:schemeClr val="tx1"/>
+                </a:solidFill>
+              </a:rPr>
+              <a:t> 게시판 페이지 전환</a:t>
+            </a:r>
+            <a:endParaRPr lang="en-US" altLang="ko-KR" sz="1200" dirty="0">
+              <a:solidFill>
+                <a:schemeClr val="tx1"/>
+              </a:solidFill>
+            </a:endParaRPr>
           </a:p>
         </p:txBody>
       </p:sp>
@@ -8923,6 +9004,19 @@
               </a:rPr>
               <a:t>:</a:t>
             </a:r>
+            <a:r>
+              <a:rPr lang="ko-KR" altLang="en-US" sz="1200" dirty="0">
+                <a:solidFill>
+                  <a:schemeClr val="tx1"/>
+                </a:solidFill>
+              </a:rPr>
+              <a:t> 통합 통계 페이지로 이동</a:t>
+            </a:r>
+            <a:endParaRPr lang="en-US" altLang="ko-KR" sz="1200" dirty="0">
+              <a:solidFill>
+                <a:schemeClr val="tx1"/>
+              </a:solidFill>
+            </a:endParaRPr>
           </a:p>
           <a:p>
             <a:r>
@@ -8959,6 +9053,19 @@
               </a:rPr>
               <a:t>:</a:t>
             </a:r>
+            <a:r>
+              <a:rPr lang="ko-KR" altLang="en-US" sz="1200" dirty="0">
+                <a:solidFill>
+                  <a:schemeClr val="tx1"/>
+                </a:solidFill>
+              </a:rPr>
+              <a:t> 테이블 형태의 통계자료로 정확한 수치 확인 가능</a:t>
+            </a:r>
+            <a:endParaRPr lang="en-US" altLang="ko-KR" sz="1200" dirty="0">
+              <a:solidFill>
+                <a:schemeClr val="tx1"/>
+              </a:solidFill>
+            </a:endParaRPr>
           </a:p>
           <a:p>
             <a:r>
@@ -8995,6 +9102,19 @@
               </a:rPr>
               <a:t>:</a:t>
             </a:r>
+            <a:r>
+              <a:rPr lang="ko-KR" altLang="en-US" sz="1200" dirty="0">
+                <a:solidFill>
+                  <a:schemeClr val="tx1"/>
+                </a:solidFill>
+              </a:rPr>
+              <a:t> 원반 그래프로 비율을 한눈에 확인가능</a:t>
+            </a:r>
+            <a:endParaRPr lang="en-US" altLang="ko-KR" sz="1200" dirty="0">
+              <a:solidFill>
+                <a:schemeClr val="tx1"/>
+              </a:solidFill>
+            </a:endParaRPr>
           </a:p>
           <a:p>
             <a:r>
@@ -9031,6 +9151,27 @@
               </a:rPr>
               <a:t>:</a:t>
             </a:r>
+            <a:r>
+              <a:rPr lang="ko-KR" altLang="en-US" sz="1200" dirty="0">
+                <a:solidFill>
+                  <a:schemeClr val="tx1"/>
+                </a:solidFill>
+              </a:rPr>
+              <a:t> 막대 그래프로 비교상수치 차이를 </a:t>
+            </a:r>
+            <a:r>
+              <a:rPr lang="ko-KR" altLang="en-US" sz="1200">
+                <a:solidFill>
+                  <a:schemeClr val="tx1"/>
+                </a:solidFill>
+              </a:rPr>
+              <a:t>한눈에 확인가능</a:t>
+            </a:r>
+            <a:endParaRPr lang="en-US" altLang="ko-KR" sz="1200" dirty="0">
+              <a:solidFill>
+                <a:schemeClr val="tx1"/>
+              </a:solidFill>
+            </a:endParaRPr>
           </a:p>
         </p:txBody>
       </p:sp>

--- a/주영일/4조 새벽코딩.pptx
+++ b/주영일/4조 새벽코딩.pptx
@@ -5707,23 +5707,13 @@
               </a:rPr>
               <a:t>:</a:t>
             </a:r>
-          </a:p>
-          <a:p>
-            <a:r>
-              <a:rPr lang="en-US" altLang="ko-KR" sz="1200" dirty="0">
-                <a:solidFill>
-                  <a:schemeClr val="tx1"/>
-                </a:solidFill>
-              </a:rPr>
-              <a:t>2. </a:t>
-            </a:r>
             <a:r>
               <a:rPr lang="ko-KR" altLang="en-US" sz="1200" dirty="0">
                 <a:solidFill>
                   <a:schemeClr val="tx1"/>
                 </a:solidFill>
               </a:rPr>
-              <a:t>대 분류 </a:t>
+              <a:t> 재고관리 페이지로 이동</a:t>
             </a:r>
             <a:endParaRPr lang="en-US" altLang="ko-KR" sz="1200" dirty="0">
               <a:solidFill>
@@ -5738,17 +5728,7 @@
                   <a:schemeClr val="tx1"/>
                 </a:solidFill>
               </a:rPr>
-              <a:t>:</a:t>
-            </a:r>
-          </a:p>
-          <a:p>
-            <a:r>
-              <a:rPr lang="en-US" altLang="ko-KR" sz="1200" dirty="0">
-                <a:solidFill>
-                  <a:schemeClr val="tx1"/>
-                </a:solidFill>
-              </a:rPr>
-              <a:t>3. </a:t>
+              <a:t>2. </a:t>
             </a:r>
             <a:r>
               <a:rPr lang="ko-KR" altLang="en-US" sz="1200" dirty="0">
@@ -5756,7 +5736,7 @@
                   <a:schemeClr val="tx1"/>
                 </a:solidFill>
               </a:rPr>
-              <a:t>대 분류 하위 관리 기능</a:t>
+              <a:t>대 분류 </a:t>
             </a:r>
             <a:endParaRPr lang="en-US" altLang="ko-KR" sz="1200" dirty="0">
               <a:solidFill>
@@ -5773,31 +5753,13 @@
               </a:rPr>
               <a:t>:</a:t>
             </a:r>
-          </a:p>
-          <a:p>
-            <a:r>
-              <a:rPr lang="en-US" altLang="ko-KR" sz="1200" dirty="0">
-                <a:solidFill>
-                  <a:schemeClr val="tx1"/>
-                </a:solidFill>
-              </a:rPr>
-              <a:t>4. </a:t>
-            </a:r>
             <a:r>
               <a:rPr lang="ko-KR" altLang="en-US" sz="1200" dirty="0">
                 <a:solidFill>
                   <a:schemeClr val="tx1"/>
                 </a:solidFill>
               </a:rPr>
-              <a:t>제고 관리 관련 세부 검색 </a:t>
-            </a:r>
-            <a:r>
-              <a:rPr lang="en-US" altLang="ko-KR" sz="1200" dirty="0" err="1">
-                <a:solidFill>
-                  <a:schemeClr val="tx1"/>
-                </a:solidFill>
-              </a:rPr>
-              <a:t>ui</a:t>
+              <a:t> 대분류 종류 이름 출력</a:t>
             </a:r>
             <a:endParaRPr lang="en-US" altLang="ko-KR" sz="1200" dirty="0">
               <a:solidFill>
@@ -5812,8 +5774,146 @@
                   <a:schemeClr val="tx1"/>
                 </a:solidFill>
               </a:rPr>
+              <a:t>3. </a:t>
+            </a:r>
+            <a:r>
+              <a:rPr lang="ko-KR" altLang="en-US" sz="1200" dirty="0">
+                <a:solidFill>
+                  <a:schemeClr val="tx1"/>
+                </a:solidFill>
+              </a:rPr>
+              <a:t>대 분류 하위 관리 기능</a:t>
+            </a:r>
+            <a:endParaRPr lang="en-US" altLang="ko-KR" sz="1200" dirty="0">
+              <a:solidFill>
+                <a:schemeClr val="tx1"/>
+              </a:solidFill>
+            </a:endParaRPr>
+          </a:p>
+          <a:p>
+            <a:r>
+              <a:rPr lang="en-US" altLang="ko-KR" sz="1200" dirty="0">
+                <a:solidFill>
+                  <a:schemeClr val="tx1"/>
+                </a:solidFill>
+              </a:rPr>
               <a:t>:</a:t>
             </a:r>
+            <a:r>
+              <a:rPr lang="ko-KR" altLang="en-US" sz="1200" dirty="0">
+                <a:solidFill>
+                  <a:schemeClr val="tx1"/>
+                </a:solidFill>
+              </a:rPr>
+              <a:t> </a:t>
+            </a:r>
+            <a:r>
+              <a:rPr lang="en-US" altLang="ko-KR" sz="1200" dirty="0">
+                <a:solidFill>
+                  <a:schemeClr val="tx1"/>
+                </a:solidFill>
+              </a:rPr>
+              <a:t>PC</a:t>
+            </a:r>
+            <a:r>
+              <a:rPr lang="ko-KR" altLang="en-US" sz="1200" dirty="0">
+                <a:solidFill>
+                  <a:schemeClr val="tx1"/>
+                </a:solidFill>
+              </a:rPr>
+              <a:t>의 재고관리 기능 목록 출력</a:t>
+            </a:r>
+            <a:endParaRPr lang="en-US" altLang="ko-KR" sz="1200" dirty="0">
+              <a:solidFill>
+                <a:schemeClr val="tx1"/>
+              </a:solidFill>
+            </a:endParaRPr>
+          </a:p>
+          <a:p>
+            <a:r>
+              <a:rPr lang="en-US" altLang="ko-KR" sz="1200" dirty="0">
+                <a:solidFill>
+                  <a:schemeClr val="tx1"/>
+                </a:solidFill>
+              </a:rPr>
+              <a:t>4. </a:t>
+            </a:r>
+            <a:r>
+              <a:rPr lang="ko-KR" altLang="en-US" sz="1200" dirty="0">
+                <a:solidFill>
+                  <a:schemeClr val="tx1"/>
+                </a:solidFill>
+              </a:rPr>
+              <a:t>제고 관리 관련 세부 검색 </a:t>
+            </a:r>
+            <a:r>
+              <a:rPr lang="en-US" altLang="ko-KR" sz="1200" dirty="0" err="1">
+                <a:solidFill>
+                  <a:schemeClr val="tx1"/>
+                </a:solidFill>
+              </a:rPr>
+              <a:t>ui</a:t>
+            </a:r>
+            <a:endParaRPr lang="en-US" altLang="ko-KR" sz="1200" dirty="0">
+              <a:solidFill>
+                <a:schemeClr val="tx1"/>
+              </a:solidFill>
+            </a:endParaRPr>
+          </a:p>
+          <a:p>
+            <a:r>
+              <a:rPr lang="en-US" altLang="ko-KR" sz="1200" dirty="0">
+                <a:solidFill>
+                  <a:schemeClr val="tx1"/>
+                </a:solidFill>
+              </a:rPr>
+              <a:t>:</a:t>
+            </a:r>
+            <a:r>
+              <a:rPr lang="ko-KR" altLang="en-US" sz="1200" dirty="0">
+                <a:solidFill>
+                  <a:schemeClr val="tx1"/>
+                </a:solidFill>
+              </a:rPr>
+              <a:t> 검색 및 등록</a:t>
+            </a:r>
+            <a:r>
+              <a:rPr lang="en-US" altLang="ko-KR" sz="1200" dirty="0">
+                <a:solidFill>
+                  <a:schemeClr val="tx1"/>
+                </a:solidFill>
+              </a:rPr>
+              <a:t>/</a:t>
+            </a:r>
+            <a:r>
+              <a:rPr lang="ko-KR" altLang="en-US" sz="1200" dirty="0">
+                <a:solidFill>
+                  <a:schemeClr val="tx1"/>
+                </a:solidFill>
+              </a:rPr>
+              <a:t>삭제</a:t>
+            </a:r>
+            <a:r>
+              <a:rPr lang="en-US" altLang="ko-KR" sz="1200" dirty="0">
+                <a:solidFill>
+                  <a:schemeClr val="tx1"/>
+                </a:solidFill>
+              </a:rPr>
+              <a:t>/</a:t>
+            </a:r>
+            <a:r>
+              <a:rPr lang="ko-KR" altLang="en-US" sz="1200" dirty="0">
+                <a:solidFill>
+                  <a:schemeClr val="tx1"/>
+                </a:solidFill>
+              </a:rPr>
+              <a:t>수정 기능</a:t>
+            </a:r>
+            <a:endParaRPr lang="en-US" altLang="ko-KR" sz="1200" dirty="0">
+              <a:solidFill>
+                <a:schemeClr val="tx1"/>
+              </a:solidFill>
+            </a:endParaRPr>
           </a:p>
           <a:p>
             <a:endParaRPr lang="en-US" altLang="ko-KR" sz="1200" dirty="0">
@@ -6791,23 +6891,13 @@
               </a:rPr>
               <a:t>:</a:t>
             </a:r>
-          </a:p>
-          <a:p>
-            <a:r>
-              <a:rPr lang="en-US" altLang="ko-KR" sz="1200" dirty="0">
-                <a:solidFill>
-                  <a:schemeClr val="tx1"/>
-                </a:solidFill>
-              </a:rPr>
-              <a:t>2. </a:t>
-            </a:r>
             <a:r>
               <a:rPr lang="ko-KR" altLang="en-US" sz="1200" dirty="0">
                 <a:solidFill>
                   <a:schemeClr val="tx1"/>
                 </a:solidFill>
               </a:rPr>
-              <a:t>대 분류 </a:t>
+              <a:t> 재고관리 페이지로 이동</a:t>
             </a:r>
             <a:endParaRPr lang="en-US" altLang="ko-KR" sz="1200" dirty="0">
               <a:solidFill>
@@ -6822,17 +6912,7 @@
                   <a:schemeClr val="tx1"/>
                 </a:solidFill>
               </a:rPr>
-              <a:t>:</a:t>
-            </a:r>
-          </a:p>
-          <a:p>
-            <a:r>
-              <a:rPr lang="en-US" altLang="ko-KR" sz="1200" dirty="0">
-                <a:solidFill>
-                  <a:schemeClr val="tx1"/>
-                </a:solidFill>
-              </a:rPr>
-              <a:t>3. </a:t>
+              <a:t>2. </a:t>
             </a:r>
             <a:r>
               <a:rPr lang="ko-KR" altLang="en-US" sz="1200" dirty="0">
@@ -6840,7 +6920,7 @@
                   <a:schemeClr val="tx1"/>
                 </a:solidFill>
               </a:rPr>
-              <a:t>대 분류 하위 관리 기능</a:t>
+              <a:t>대 분류 </a:t>
             </a:r>
             <a:endParaRPr lang="en-US" altLang="ko-KR" sz="1200" dirty="0">
               <a:solidFill>
@@ -6857,31 +6937,13 @@
               </a:rPr>
               <a:t>:</a:t>
             </a:r>
-          </a:p>
-          <a:p>
-            <a:r>
-              <a:rPr lang="en-US" altLang="ko-KR" sz="1200" dirty="0">
-                <a:solidFill>
-                  <a:schemeClr val="tx1"/>
-                </a:solidFill>
-              </a:rPr>
-              <a:t>4. </a:t>
-            </a:r>
             <a:r>
               <a:rPr lang="ko-KR" altLang="en-US" sz="1200" dirty="0">
                 <a:solidFill>
                   <a:schemeClr val="tx1"/>
                 </a:solidFill>
               </a:rPr>
-              <a:t>제고 관리 관련 세부 검색 </a:t>
-            </a:r>
-            <a:r>
-              <a:rPr lang="en-US" altLang="ko-KR" sz="1200" dirty="0" err="1">
-                <a:solidFill>
-                  <a:schemeClr val="tx1"/>
-                </a:solidFill>
-              </a:rPr>
-              <a:t>ui</a:t>
+              <a:t> 대분류 종류 이름 출력</a:t>
             </a:r>
             <a:endParaRPr lang="en-US" altLang="ko-KR" sz="1200" dirty="0">
               <a:solidFill>
@@ -6896,8 +6958,130 @@
                   <a:schemeClr val="tx1"/>
                 </a:solidFill>
               </a:rPr>
+              <a:t>3. </a:t>
+            </a:r>
+            <a:r>
+              <a:rPr lang="ko-KR" altLang="en-US" sz="1200" dirty="0">
+                <a:solidFill>
+                  <a:schemeClr val="tx1"/>
+                </a:solidFill>
+              </a:rPr>
+              <a:t>대 분류 하위 관리 기능</a:t>
+            </a:r>
+            <a:endParaRPr lang="en-US" altLang="ko-KR" sz="1200" dirty="0">
+              <a:solidFill>
+                <a:schemeClr val="tx1"/>
+              </a:solidFill>
+            </a:endParaRPr>
+          </a:p>
+          <a:p>
+            <a:r>
+              <a:rPr lang="en-US" altLang="ko-KR" sz="1200" dirty="0">
+                <a:solidFill>
+                  <a:schemeClr val="tx1"/>
+                </a:solidFill>
+              </a:rPr>
               <a:t>:</a:t>
             </a:r>
+            <a:r>
+              <a:rPr lang="ko-KR" altLang="en-US" sz="1200" dirty="0">
+                <a:solidFill>
+                  <a:schemeClr val="tx1"/>
+                </a:solidFill>
+              </a:rPr>
+              <a:t> 모바일의 재고관리 기능 목록 출력</a:t>
+            </a:r>
+            <a:endParaRPr lang="en-US" altLang="ko-KR" sz="1200" dirty="0">
+              <a:solidFill>
+                <a:schemeClr val="tx1"/>
+              </a:solidFill>
+            </a:endParaRPr>
+          </a:p>
+          <a:p>
+            <a:r>
+              <a:rPr lang="en-US" altLang="ko-KR" sz="1200" dirty="0">
+                <a:solidFill>
+                  <a:schemeClr val="tx1"/>
+                </a:solidFill>
+              </a:rPr>
+              <a:t>4. </a:t>
+            </a:r>
+            <a:r>
+              <a:rPr lang="ko-KR" altLang="en-US" sz="1200" dirty="0">
+                <a:solidFill>
+                  <a:schemeClr val="tx1"/>
+                </a:solidFill>
+              </a:rPr>
+              <a:t>제고 관리 관련 세부 검색 </a:t>
+            </a:r>
+            <a:r>
+              <a:rPr lang="en-US" altLang="ko-KR" sz="1200" dirty="0" err="1">
+                <a:solidFill>
+                  <a:schemeClr val="tx1"/>
+                </a:solidFill>
+              </a:rPr>
+              <a:t>ui</a:t>
+            </a:r>
+            <a:endParaRPr lang="en-US" altLang="ko-KR" sz="1200" dirty="0">
+              <a:solidFill>
+                <a:schemeClr val="tx1"/>
+              </a:solidFill>
+            </a:endParaRPr>
+          </a:p>
+          <a:p>
+            <a:r>
+              <a:rPr lang="en-US" altLang="ko-KR" sz="1200" dirty="0">
+                <a:solidFill>
+                  <a:schemeClr val="tx1"/>
+                </a:solidFill>
+              </a:rPr>
+              <a:t>:</a:t>
+            </a:r>
+            <a:r>
+              <a:rPr lang="ko-KR" altLang="en-US" sz="1200" dirty="0">
+                <a:solidFill>
+                  <a:schemeClr val="tx1"/>
+                </a:solidFill>
+              </a:rPr>
+              <a:t> 검색 및 등록</a:t>
+            </a:r>
+            <a:r>
+              <a:rPr lang="en-US" altLang="ko-KR" sz="1200" dirty="0">
+                <a:solidFill>
+                  <a:schemeClr val="tx1"/>
+                </a:solidFill>
+              </a:rPr>
+              <a:t>/</a:t>
+            </a:r>
+            <a:r>
+              <a:rPr lang="ko-KR" altLang="en-US" sz="1200" dirty="0">
+                <a:solidFill>
+                  <a:schemeClr val="tx1"/>
+                </a:solidFill>
+              </a:rPr>
+              <a:t>삭제</a:t>
+            </a:r>
+            <a:r>
+              <a:rPr lang="en-US" altLang="ko-KR" sz="1200" dirty="0">
+                <a:solidFill>
+                  <a:schemeClr val="tx1"/>
+                </a:solidFill>
+              </a:rPr>
+              <a:t>/</a:t>
+            </a:r>
+            <a:r>
+              <a:rPr lang="ko-KR" altLang="en-US" sz="1200" dirty="0">
+                <a:solidFill>
+                  <a:schemeClr val="tx1"/>
+                </a:solidFill>
+              </a:rPr>
+              <a:t>수정 기능</a:t>
+            </a:r>
+            <a:endParaRPr lang="en-US" altLang="ko-KR" sz="1200" dirty="0">
+              <a:solidFill>
+                <a:schemeClr val="tx1"/>
+              </a:solidFill>
+            </a:endParaRPr>
           </a:p>
           <a:p>
             <a:endParaRPr lang="en-US" altLang="ko-KR" sz="1200" dirty="0">
